--- a/prezentacie/c02w.pptx
+++ b/prezentacie/c02w.pptx
@@ -11,6 +11,10 @@
     <p:sldId id="274" r:id="rId5"/>
     <p:sldId id="275" r:id="rId6"/>
     <p:sldId id="276" r:id="rId7"/>
+    <p:sldId id="277" r:id="rId8"/>
+    <p:sldId id="278" r:id="rId9"/>
+    <p:sldId id="279" r:id="rId10"/>
+    <p:sldId id="280" r:id="rId11"/>
   </p:sldIdLst>
   <p:sldSz cx="12192000" cy="6858000"/>
   <p:notesSz cx="6858000" cy="9144000"/>
@@ -248,7 +252,7 @@
           <a:p>
             <a:fld id="{10052495-8BC8-4CFB-94B1-B0429F101A0D}" type="datetimeFigureOut">
               <a:rPr lang="sk-SK" smtClean="0"/>
-              <a:t>11. 9. 2025</a:t>
+              <a:t>14. 9. 2025</a:t>
             </a:fld>
             <a:endParaRPr lang="sk-SK"/>
           </a:p>
@@ -418,7 +422,7 @@
           <a:p>
             <a:fld id="{10052495-8BC8-4CFB-94B1-B0429F101A0D}" type="datetimeFigureOut">
               <a:rPr lang="sk-SK" smtClean="0"/>
-              <a:t>11. 9. 2025</a:t>
+              <a:t>14. 9. 2025</a:t>
             </a:fld>
             <a:endParaRPr lang="sk-SK"/>
           </a:p>
@@ -598,7 +602,7 @@
           <a:p>
             <a:fld id="{10052495-8BC8-4CFB-94B1-B0429F101A0D}" type="datetimeFigureOut">
               <a:rPr lang="sk-SK" smtClean="0"/>
-              <a:t>11. 9. 2025</a:t>
+              <a:t>14. 9. 2025</a:t>
             </a:fld>
             <a:endParaRPr lang="sk-SK"/>
           </a:p>
@@ -768,7 +772,7 @@
           <a:p>
             <a:fld id="{10052495-8BC8-4CFB-94B1-B0429F101A0D}" type="datetimeFigureOut">
               <a:rPr lang="sk-SK" smtClean="0"/>
-              <a:t>11. 9. 2025</a:t>
+              <a:t>14. 9. 2025</a:t>
             </a:fld>
             <a:endParaRPr lang="sk-SK"/>
           </a:p>
@@ -1014,7 +1018,7 @@
           <a:p>
             <a:fld id="{10052495-8BC8-4CFB-94B1-B0429F101A0D}" type="datetimeFigureOut">
               <a:rPr lang="sk-SK" smtClean="0"/>
-              <a:t>11. 9. 2025</a:t>
+              <a:t>14. 9. 2025</a:t>
             </a:fld>
             <a:endParaRPr lang="sk-SK"/>
           </a:p>
@@ -1246,7 +1250,7 @@
           <a:p>
             <a:fld id="{10052495-8BC8-4CFB-94B1-B0429F101A0D}" type="datetimeFigureOut">
               <a:rPr lang="sk-SK" smtClean="0"/>
-              <a:t>11. 9. 2025</a:t>
+              <a:t>14. 9. 2025</a:t>
             </a:fld>
             <a:endParaRPr lang="sk-SK"/>
           </a:p>
@@ -1613,7 +1617,7 @@
           <a:p>
             <a:fld id="{10052495-8BC8-4CFB-94B1-B0429F101A0D}" type="datetimeFigureOut">
               <a:rPr lang="sk-SK" smtClean="0"/>
-              <a:t>11. 9. 2025</a:t>
+              <a:t>14. 9. 2025</a:t>
             </a:fld>
             <a:endParaRPr lang="sk-SK"/>
           </a:p>
@@ -1731,7 +1735,7 @@
           <a:p>
             <a:fld id="{10052495-8BC8-4CFB-94B1-B0429F101A0D}" type="datetimeFigureOut">
               <a:rPr lang="sk-SK" smtClean="0"/>
-              <a:t>11. 9. 2025</a:t>
+              <a:t>14. 9. 2025</a:t>
             </a:fld>
             <a:endParaRPr lang="sk-SK"/>
           </a:p>
@@ -1826,7 +1830,7 @@
           <a:p>
             <a:fld id="{10052495-8BC8-4CFB-94B1-B0429F101A0D}" type="datetimeFigureOut">
               <a:rPr lang="sk-SK" smtClean="0"/>
-              <a:t>11. 9. 2025</a:t>
+              <a:t>14. 9. 2025</a:t>
             </a:fld>
             <a:endParaRPr lang="sk-SK"/>
           </a:p>
@@ -2103,7 +2107,7 @@
           <a:p>
             <a:fld id="{10052495-8BC8-4CFB-94B1-B0429F101A0D}" type="datetimeFigureOut">
               <a:rPr lang="sk-SK" smtClean="0"/>
-              <a:t>11. 9. 2025</a:t>
+              <a:t>14. 9. 2025</a:t>
             </a:fld>
             <a:endParaRPr lang="sk-SK"/>
           </a:p>
@@ -2360,7 +2364,7 @@
           <a:p>
             <a:fld id="{10052495-8BC8-4CFB-94B1-B0429F101A0D}" type="datetimeFigureOut">
               <a:rPr lang="sk-SK" smtClean="0"/>
-              <a:t>11. 9. 2025</a:t>
+              <a:t>14. 9. 2025</a:t>
             </a:fld>
             <a:endParaRPr lang="sk-SK"/>
           </a:p>
@@ -2573,7 +2577,7 @@
           <a:p>
             <a:fld id="{10052495-8BC8-4CFB-94B1-B0429F101A0D}" type="datetimeFigureOut">
               <a:rPr lang="sk-SK" smtClean="0"/>
-              <a:t>11. 9. 2025</a:t>
+              <a:t>14. 9. 2025</a:t>
             </a:fld>
             <a:endParaRPr lang="sk-SK"/>
           </a:p>
@@ -3552,6 +3556,257 @@
 </p:sld>
 </file>
 
+<file path=ppt/slides/slide10.xml><?xml version="1.0" encoding="utf-8"?>
+<p:sld xmlns:a="http://schemas.openxmlformats.org/drawingml/2006/main" xmlns:r="http://schemas.openxmlformats.org/officeDocument/2006/relationships" xmlns:p="http://schemas.openxmlformats.org/presentationml/2006/main">
+  <p:cSld>
+    <p:bg>
+      <p:bgPr>
+        <a:solidFill>
+          <a:schemeClr val="bg1"/>
+        </a:solidFill>
+        <a:effectLst/>
+      </p:bgPr>
+    </p:bg>
+    <p:spTree>
+      <p:nvGrpSpPr>
+        <p:cNvPr id="1" name="">
+          <a:extLst>
+            <a:ext uri="{FF2B5EF4-FFF2-40B4-BE49-F238E27FC236}">
+              <a16:creationId xmlns:a16="http://schemas.microsoft.com/office/drawing/2014/main" id="{4B3C6E81-B407-0371-99AE-FE50617CD304}"/>
+            </a:ext>
+          </a:extLst>
+        </p:cNvPr>
+        <p:cNvGrpSpPr/>
+        <p:nvPr/>
+      </p:nvGrpSpPr>
+      <p:grpSpPr>
+        <a:xfrm>
+          <a:off x="0" y="0"/>
+          <a:ext cx="0" cy="0"/>
+          <a:chOff x="0" y="0"/>
+          <a:chExt cx="0" cy="0"/>
+        </a:xfrm>
+      </p:grpSpPr>
+      <p:sp>
+        <p:nvSpPr>
+          <p:cNvPr id="3" name="Zástupný objekt pre obsah 2">
+            <a:extLst>
+              <a:ext uri="{FF2B5EF4-FFF2-40B4-BE49-F238E27FC236}">
+                <a16:creationId xmlns:a16="http://schemas.microsoft.com/office/drawing/2014/main" id="{7664A71B-0757-EFD6-7385-7E805DEA7046}"/>
+              </a:ext>
+            </a:extLst>
+          </p:cNvPr>
+          <p:cNvSpPr>
+            <a:spLocks noGrp="1"/>
+          </p:cNvSpPr>
+          <p:nvPr>
+            <p:ph idx="1"/>
+          </p:nvPr>
+        </p:nvSpPr>
+        <p:spPr>
+          <a:xfrm>
+            <a:off x="1502228" y="1573591"/>
+            <a:ext cx="9851572" cy="4217609"/>
+          </a:xfrm>
+        </p:spPr>
+        <p:txBody>
+          <a:bodyPr>
+            <a:noAutofit/>
+          </a:bodyPr>
+          <a:lstStyle/>
+          <a:p>
+            <a:pPr marL="0" indent="0">
+              <a:spcBef>
+                <a:spcPts val="1200"/>
+              </a:spcBef>
+              <a:buNone/>
+            </a:pPr>
+            <a:r>
+              <a:rPr lang="sk-SK" dirty="0"/>
+              <a:t>Cyklus </a:t>
+            </a:r>
+            <a:r>
+              <a:rPr lang="sk-SK" dirty="0" err="1">
+                <a:highlight>
+                  <a:srgbClr val="FFFF00"/>
+                </a:highlight>
+                <a:latin typeface="Consolas" panose="020B0609020204030204" pitchFamily="49" charset="0"/>
+              </a:rPr>
+              <a:t>while</a:t>
+            </a:r>
+            <a:r>
+              <a:rPr lang="sk-SK" dirty="0"/>
+              <a:t> sa </a:t>
+            </a:r>
+            <a:r>
+              <a:rPr lang="pl-PL" dirty="0"/>
+              <a:t>opakuje, </a:t>
+            </a:r>
+            <a:r>
+              <a:rPr lang="pl-PL" dirty="0" err="1"/>
+              <a:t>kým</a:t>
+            </a:r>
+            <a:r>
+              <a:rPr lang="pl-PL" dirty="0"/>
+              <a:t> je </a:t>
+            </a:r>
+            <a:r>
+              <a:rPr lang="pl-PL" dirty="0" err="1"/>
+              <a:t>podmienka</a:t>
+            </a:r>
+            <a:r>
+              <a:rPr lang="pl-PL" dirty="0"/>
+              <a:t> </a:t>
+            </a:r>
+            <a:r>
+              <a:rPr lang="pl-PL" dirty="0" err="1"/>
+              <a:t>pravdivá</a:t>
+            </a:r>
+            <a:endParaRPr lang="sk-SK" dirty="0"/>
+          </a:p>
+          <a:p>
+            <a:pPr marL="0" indent="0">
+              <a:spcBef>
+                <a:spcPts val="1200"/>
+              </a:spcBef>
+              <a:buNone/>
+            </a:pPr>
+            <a:endParaRPr lang="sk-SK" dirty="0"/>
+          </a:p>
+          <a:p>
+            <a:pPr marL="0" indent="0">
+              <a:spcBef>
+                <a:spcPts val="0"/>
+              </a:spcBef>
+              <a:buNone/>
+            </a:pPr>
+            <a:r>
+              <a:rPr lang="nn-NO" dirty="0">
+                <a:highlight>
+                  <a:srgbClr val="FFFF00"/>
+                </a:highlight>
+                <a:latin typeface="Consolas" panose="020B0609020204030204" pitchFamily="49" charset="0"/>
+              </a:rPr>
+              <a:t>int i = 0;</a:t>
+            </a:r>
+          </a:p>
+          <a:p>
+            <a:pPr marL="0" indent="0">
+              <a:spcBef>
+                <a:spcPts val="0"/>
+              </a:spcBef>
+              <a:buNone/>
+            </a:pPr>
+            <a:r>
+              <a:rPr lang="nn-NO" dirty="0">
+                <a:highlight>
+                  <a:srgbClr val="FFFF00"/>
+                </a:highlight>
+                <a:latin typeface="Consolas" panose="020B0609020204030204" pitchFamily="49" charset="0"/>
+              </a:rPr>
+              <a:t>while (i &lt; 5) {</a:t>
+            </a:r>
+          </a:p>
+          <a:p>
+            <a:pPr marL="0" indent="0">
+              <a:spcBef>
+                <a:spcPts val="0"/>
+              </a:spcBef>
+              <a:buNone/>
+            </a:pPr>
+            <a:r>
+              <a:rPr lang="nn-NO" dirty="0">
+                <a:highlight>
+                  <a:srgbClr val="FFFF00"/>
+                </a:highlight>
+                <a:latin typeface="Consolas" panose="020B0609020204030204" pitchFamily="49" charset="0"/>
+              </a:rPr>
+              <a:t>    System.out.println("i = " + i);</a:t>
+            </a:r>
+          </a:p>
+          <a:p>
+            <a:pPr marL="0" indent="0">
+              <a:spcBef>
+                <a:spcPts val="0"/>
+              </a:spcBef>
+              <a:buNone/>
+            </a:pPr>
+            <a:r>
+              <a:rPr lang="nn-NO" dirty="0">
+                <a:highlight>
+                  <a:srgbClr val="FFFF00"/>
+                </a:highlight>
+                <a:latin typeface="Consolas" panose="020B0609020204030204" pitchFamily="49" charset="0"/>
+              </a:rPr>
+              <a:t>    i++;</a:t>
+            </a:r>
+          </a:p>
+          <a:p>
+            <a:pPr marL="0" indent="0">
+              <a:spcBef>
+                <a:spcPts val="0"/>
+              </a:spcBef>
+              <a:buNone/>
+            </a:pPr>
+            <a:r>
+              <a:rPr lang="nn-NO" dirty="0">
+                <a:highlight>
+                  <a:srgbClr val="FFFF00"/>
+                </a:highlight>
+                <a:latin typeface="Consolas" panose="020B0609020204030204" pitchFamily="49" charset="0"/>
+              </a:rPr>
+              <a:t>}</a:t>
+            </a:r>
+            <a:endParaRPr lang="sk-SK" dirty="0">
+              <a:highlight>
+                <a:srgbClr val="FFFF00"/>
+              </a:highlight>
+              <a:latin typeface="Consolas" panose="020B0609020204030204" pitchFamily="49" charset="0"/>
+            </a:endParaRPr>
+          </a:p>
+        </p:txBody>
+      </p:sp>
+      <p:sp>
+        <p:nvSpPr>
+          <p:cNvPr id="5" name="Nadpis 4">
+            <a:extLst>
+              <a:ext uri="{FF2B5EF4-FFF2-40B4-BE49-F238E27FC236}">
+                <a16:creationId xmlns:a16="http://schemas.microsoft.com/office/drawing/2014/main" id="{829537DF-8C1D-E747-57FC-94F4E0EAF725}"/>
+              </a:ext>
+            </a:extLst>
+          </p:cNvPr>
+          <p:cNvSpPr>
+            <a:spLocks noGrp="1"/>
+          </p:cNvSpPr>
+          <p:nvPr>
+            <p:ph type="title"/>
+          </p:nvPr>
+        </p:nvSpPr>
+        <p:spPr/>
+        <p:txBody>
+          <a:bodyPr/>
+          <a:lstStyle/>
+          <a:p>
+            <a:r>
+              <a:rPr lang="sk-SK" dirty="0"/>
+              <a:t>Cyklus</a:t>
+            </a:r>
+          </a:p>
+        </p:txBody>
+      </p:sp>
+    </p:spTree>
+    <p:extLst>
+      <p:ext uri="{BB962C8B-B14F-4D97-AF65-F5344CB8AC3E}">
+        <p14:creationId xmlns:p14="http://schemas.microsoft.com/office/powerpoint/2010/main" val="1129696589"/>
+      </p:ext>
+    </p:extLst>
+  </p:cSld>
+  <p:clrMapOvr>
+    <a:masterClrMapping/>
+  </p:clrMapOvr>
+</p:sld>
+</file>
+
 <file path=ppt/slides/slide2.xml><?xml version="1.0" encoding="utf-8"?>
 <p:sld xmlns:a="http://schemas.openxmlformats.org/drawingml/2006/main" xmlns:r="http://schemas.openxmlformats.org/officeDocument/2006/relationships" xmlns:p="http://schemas.openxmlformats.org/presentationml/2006/main">
   <p:cSld>
@@ -5336,6 +5591,1035 @@
     <p:extLst>
       <p:ext uri="{BB962C8B-B14F-4D97-AF65-F5344CB8AC3E}">
         <p14:creationId xmlns:p14="http://schemas.microsoft.com/office/powerpoint/2010/main" val="3392659700"/>
+      </p:ext>
+    </p:extLst>
+  </p:cSld>
+  <p:clrMapOvr>
+    <a:masterClrMapping/>
+  </p:clrMapOvr>
+</p:sld>
+</file>
+
+<file path=ppt/slides/slide7.xml><?xml version="1.0" encoding="utf-8"?>
+<p:sld xmlns:a="http://schemas.openxmlformats.org/drawingml/2006/main" xmlns:r="http://schemas.openxmlformats.org/officeDocument/2006/relationships" xmlns:p="http://schemas.openxmlformats.org/presentationml/2006/main">
+  <p:cSld>
+    <p:bg>
+      <p:bgPr>
+        <a:solidFill>
+          <a:schemeClr val="bg1"/>
+        </a:solidFill>
+        <a:effectLst/>
+      </p:bgPr>
+    </p:bg>
+    <p:spTree>
+      <p:nvGrpSpPr>
+        <p:cNvPr id="1" name="">
+          <a:extLst>
+            <a:ext uri="{FF2B5EF4-FFF2-40B4-BE49-F238E27FC236}">
+              <a16:creationId xmlns:a16="http://schemas.microsoft.com/office/drawing/2014/main" id="{A1539012-09E9-ACF2-91F4-1ED89229585D}"/>
+            </a:ext>
+          </a:extLst>
+        </p:cNvPr>
+        <p:cNvGrpSpPr/>
+        <p:nvPr/>
+      </p:nvGrpSpPr>
+      <p:grpSpPr>
+        <a:xfrm>
+          <a:off x="0" y="0"/>
+          <a:ext cx="0" cy="0"/>
+          <a:chOff x="0" y="0"/>
+          <a:chExt cx="0" cy="0"/>
+        </a:xfrm>
+      </p:grpSpPr>
+      <p:sp>
+        <p:nvSpPr>
+          <p:cNvPr id="3" name="Zástupný objekt pre obsah 2">
+            <a:extLst>
+              <a:ext uri="{FF2B5EF4-FFF2-40B4-BE49-F238E27FC236}">
+                <a16:creationId xmlns:a16="http://schemas.microsoft.com/office/drawing/2014/main" id="{AF12483B-3F8C-DDD8-5954-C6F6444C315D}"/>
+              </a:ext>
+            </a:extLst>
+          </p:cNvPr>
+          <p:cNvSpPr>
+            <a:spLocks noGrp="1"/>
+          </p:cNvSpPr>
+          <p:nvPr>
+            <p:ph idx="1"/>
+          </p:nvPr>
+        </p:nvSpPr>
+        <p:spPr>
+          <a:xfrm>
+            <a:off x="2002971" y="1464734"/>
+            <a:ext cx="7815943" cy="4217609"/>
+          </a:xfrm>
+        </p:spPr>
+        <p:txBody>
+          <a:bodyPr>
+            <a:noAutofit/>
+          </a:bodyPr>
+          <a:lstStyle/>
+          <a:p>
+            <a:pPr marL="0" indent="0">
+              <a:spcBef>
+                <a:spcPts val="1200"/>
+              </a:spcBef>
+              <a:buNone/>
+            </a:pPr>
+            <a:r>
+              <a:rPr lang="sk-SK" dirty="0"/>
+              <a:t>Základné vetvenie pomocou </a:t>
+            </a:r>
+            <a:r>
+              <a:rPr lang="sk-SK" dirty="0" err="1">
+                <a:highlight>
+                  <a:srgbClr val="FFFF00"/>
+                </a:highlight>
+                <a:latin typeface="Consolas" panose="020B0609020204030204" pitchFamily="49" charset="0"/>
+              </a:rPr>
+              <a:t>if-else</a:t>
+            </a:r>
+            <a:endParaRPr lang="sk-SK" dirty="0">
+              <a:highlight>
+                <a:srgbClr val="FFFF00"/>
+              </a:highlight>
+              <a:latin typeface="Consolas" panose="020B0609020204030204" pitchFamily="49" charset="0"/>
+            </a:endParaRPr>
+          </a:p>
+          <a:p>
+            <a:pPr marL="0" indent="0">
+              <a:spcBef>
+                <a:spcPts val="1200"/>
+              </a:spcBef>
+              <a:buNone/>
+            </a:pPr>
+            <a:endParaRPr lang="sk-SK" dirty="0">
+              <a:highlight>
+                <a:srgbClr val="FFFF00"/>
+              </a:highlight>
+              <a:latin typeface="Consolas" panose="020B0609020204030204" pitchFamily="49" charset="0"/>
+            </a:endParaRPr>
+          </a:p>
+          <a:p>
+            <a:pPr marL="0" indent="0">
+              <a:spcBef>
+                <a:spcPts val="0"/>
+              </a:spcBef>
+              <a:buNone/>
+            </a:pPr>
+            <a:r>
+              <a:rPr lang="sk-SK" dirty="0" err="1">
+                <a:highlight>
+                  <a:srgbClr val="FFFF00"/>
+                </a:highlight>
+                <a:latin typeface="Consolas" panose="020B0609020204030204" pitchFamily="49" charset="0"/>
+              </a:rPr>
+              <a:t>int</a:t>
+            </a:r>
+            <a:r>
+              <a:rPr lang="sk-SK" dirty="0">
+                <a:highlight>
+                  <a:srgbClr val="FFFF00"/>
+                </a:highlight>
+                <a:latin typeface="Consolas" panose="020B0609020204030204" pitchFamily="49" charset="0"/>
+              </a:rPr>
+              <a:t> </a:t>
+            </a:r>
+            <a:r>
+              <a:rPr lang="sk-SK" dirty="0" err="1">
+                <a:highlight>
+                  <a:srgbClr val="FFFF00"/>
+                </a:highlight>
+                <a:latin typeface="Consolas" panose="020B0609020204030204" pitchFamily="49" charset="0"/>
+              </a:rPr>
+              <a:t>znamka</a:t>
+            </a:r>
+            <a:r>
+              <a:rPr lang="sk-SK" dirty="0">
+                <a:highlight>
+                  <a:srgbClr val="FFFF00"/>
+                </a:highlight>
+                <a:latin typeface="Consolas" panose="020B0609020204030204" pitchFamily="49" charset="0"/>
+              </a:rPr>
+              <a:t> = 3;</a:t>
+            </a:r>
+          </a:p>
+          <a:p>
+            <a:pPr marL="0" indent="0">
+              <a:spcBef>
+                <a:spcPts val="0"/>
+              </a:spcBef>
+              <a:buNone/>
+            </a:pPr>
+            <a:endParaRPr lang="sk-SK" dirty="0">
+              <a:highlight>
+                <a:srgbClr val="FFFF00"/>
+              </a:highlight>
+              <a:latin typeface="Consolas" panose="020B0609020204030204" pitchFamily="49" charset="0"/>
+            </a:endParaRPr>
+          </a:p>
+          <a:p>
+            <a:pPr marL="0" indent="0">
+              <a:spcBef>
+                <a:spcPts val="0"/>
+              </a:spcBef>
+              <a:buNone/>
+            </a:pPr>
+            <a:r>
+              <a:rPr lang="sk-SK" dirty="0" err="1">
+                <a:highlight>
+                  <a:srgbClr val="FFFF00"/>
+                </a:highlight>
+                <a:latin typeface="Consolas" panose="020B0609020204030204" pitchFamily="49" charset="0"/>
+              </a:rPr>
+              <a:t>if</a:t>
+            </a:r>
+            <a:r>
+              <a:rPr lang="sk-SK" dirty="0">
+                <a:highlight>
+                  <a:srgbClr val="FFFF00"/>
+                </a:highlight>
+                <a:latin typeface="Consolas" panose="020B0609020204030204" pitchFamily="49" charset="0"/>
+              </a:rPr>
+              <a:t> (</a:t>
+            </a:r>
+            <a:r>
+              <a:rPr lang="sk-SK" dirty="0" err="1">
+                <a:highlight>
+                  <a:srgbClr val="FFFF00"/>
+                </a:highlight>
+                <a:latin typeface="Consolas" panose="020B0609020204030204" pitchFamily="49" charset="0"/>
+              </a:rPr>
+              <a:t>znamka</a:t>
+            </a:r>
+            <a:r>
+              <a:rPr lang="sk-SK" dirty="0">
+                <a:highlight>
+                  <a:srgbClr val="FFFF00"/>
+                </a:highlight>
+                <a:latin typeface="Consolas" panose="020B0609020204030204" pitchFamily="49" charset="0"/>
+              </a:rPr>
+              <a:t> == 1) {</a:t>
+            </a:r>
+          </a:p>
+          <a:p>
+            <a:pPr marL="0" indent="0">
+              <a:spcBef>
+                <a:spcPts val="0"/>
+              </a:spcBef>
+              <a:buNone/>
+            </a:pPr>
+            <a:r>
+              <a:rPr lang="sk-SK" dirty="0">
+                <a:highlight>
+                  <a:srgbClr val="FFFF00"/>
+                </a:highlight>
+                <a:latin typeface="Consolas" panose="020B0609020204030204" pitchFamily="49" charset="0"/>
+              </a:rPr>
+              <a:t>    </a:t>
+            </a:r>
+            <a:r>
+              <a:rPr lang="sk-SK" dirty="0" err="1">
+                <a:highlight>
+                  <a:srgbClr val="FFFF00"/>
+                </a:highlight>
+                <a:latin typeface="Consolas" panose="020B0609020204030204" pitchFamily="49" charset="0"/>
+              </a:rPr>
+              <a:t>System.out.println</a:t>
+            </a:r>
+            <a:r>
+              <a:rPr lang="sk-SK" dirty="0">
+                <a:highlight>
+                  <a:srgbClr val="FFFF00"/>
+                </a:highlight>
+                <a:latin typeface="Consolas" panose="020B0609020204030204" pitchFamily="49" charset="0"/>
+              </a:rPr>
+              <a:t>("Výborný");</a:t>
+            </a:r>
+          </a:p>
+          <a:p>
+            <a:pPr marL="0" indent="0">
+              <a:spcBef>
+                <a:spcPts val="0"/>
+              </a:spcBef>
+              <a:buNone/>
+            </a:pPr>
+            <a:r>
+              <a:rPr lang="sk-SK" dirty="0">
+                <a:highlight>
+                  <a:srgbClr val="FFFF00"/>
+                </a:highlight>
+                <a:latin typeface="Consolas" panose="020B0609020204030204" pitchFamily="49" charset="0"/>
+              </a:rPr>
+              <a:t>} </a:t>
+            </a:r>
+            <a:r>
+              <a:rPr lang="sk-SK" dirty="0" err="1">
+                <a:highlight>
+                  <a:srgbClr val="FFFF00"/>
+                </a:highlight>
+                <a:latin typeface="Consolas" panose="020B0609020204030204" pitchFamily="49" charset="0"/>
+              </a:rPr>
+              <a:t>else</a:t>
+            </a:r>
+            <a:r>
+              <a:rPr lang="sk-SK" dirty="0">
+                <a:highlight>
+                  <a:srgbClr val="FFFF00"/>
+                </a:highlight>
+                <a:latin typeface="Consolas" panose="020B0609020204030204" pitchFamily="49" charset="0"/>
+              </a:rPr>
+              <a:t> </a:t>
+            </a:r>
+            <a:r>
+              <a:rPr lang="sk-SK" dirty="0" err="1">
+                <a:highlight>
+                  <a:srgbClr val="FFFF00"/>
+                </a:highlight>
+                <a:latin typeface="Consolas" panose="020B0609020204030204" pitchFamily="49" charset="0"/>
+              </a:rPr>
+              <a:t>if</a:t>
+            </a:r>
+            <a:r>
+              <a:rPr lang="sk-SK" dirty="0">
+                <a:highlight>
+                  <a:srgbClr val="FFFF00"/>
+                </a:highlight>
+                <a:latin typeface="Consolas" panose="020B0609020204030204" pitchFamily="49" charset="0"/>
+              </a:rPr>
+              <a:t> (</a:t>
+            </a:r>
+            <a:r>
+              <a:rPr lang="sk-SK" dirty="0" err="1">
+                <a:highlight>
+                  <a:srgbClr val="FFFF00"/>
+                </a:highlight>
+                <a:latin typeface="Consolas" panose="020B0609020204030204" pitchFamily="49" charset="0"/>
+              </a:rPr>
+              <a:t>znamka</a:t>
+            </a:r>
+            <a:r>
+              <a:rPr lang="sk-SK" dirty="0">
+                <a:highlight>
+                  <a:srgbClr val="FFFF00"/>
+                </a:highlight>
+                <a:latin typeface="Consolas" panose="020B0609020204030204" pitchFamily="49" charset="0"/>
+              </a:rPr>
+              <a:t> == 2) {</a:t>
+            </a:r>
+          </a:p>
+          <a:p>
+            <a:pPr marL="0" indent="0">
+              <a:spcBef>
+                <a:spcPts val="0"/>
+              </a:spcBef>
+              <a:buNone/>
+            </a:pPr>
+            <a:r>
+              <a:rPr lang="sk-SK" dirty="0">
+                <a:highlight>
+                  <a:srgbClr val="FFFF00"/>
+                </a:highlight>
+                <a:latin typeface="Consolas" panose="020B0609020204030204" pitchFamily="49" charset="0"/>
+              </a:rPr>
+              <a:t>    </a:t>
+            </a:r>
+            <a:r>
+              <a:rPr lang="sk-SK" dirty="0" err="1">
+                <a:highlight>
+                  <a:srgbClr val="FFFF00"/>
+                </a:highlight>
+                <a:latin typeface="Consolas" panose="020B0609020204030204" pitchFamily="49" charset="0"/>
+              </a:rPr>
+              <a:t>System.out.println</a:t>
+            </a:r>
+            <a:r>
+              <a:rPr lang="sk-SK" dirty="0">
+                <a:highlight>
+                  <a:srgbClr val="FFFF00"/>
+                </a:highlight>
+                <a:latin typeface="Consolas" panose="020B0609020204030204" pitchFamily="49" charset="0"/>
+              </a:rPr>
+              <a:t>("Chválitebný");</a:t>
+            </a:r>
+          </a:p>
+          <a:p>
+            <a:pPr marL="0" indent="0">
+              <a:spcBef>
+                <a:spcPts val="0"/>
+              </a:spcBef>
+              <a:buNone/>
+            </a:pPr>
+            <a:r>
+              <a:rPr lang="sk-SK" dirty="0">
+                <a:highlight>
+                  <a:srgbClr val="FFFF00"/>
+                </a:highlight>
+                <a:latin typeface="Consolas" panose="020B0609020204030204" pitchFamily="49" charset="0"/>
+              </a:rPr>
+              <a:t>} </a:t>
+            </a:r>
+            <a:r>
+              <a:rPr lang="sk-SK" dirty="0" err="1">
+                <a:highlight>
+                  <a:srgbClr val="FFFF00"/>
+                </a:highlight>
+                <a:latin typeface="Consolas" panose="020B0609020204030204" pitchFamily="49" charset="0"/>
+              </a:rPr>
+              <a:t>else</a:t>
+            </a:r>
+            <a:r>
+              <a:rPr lang="sk-SK" dirty="0">
+                <a:highlight>
+                  <a:srgbClr val="FFFF00"/>
+                </a:highlight>
+                <a:latin typeface="Consolas" panose="020B0609020204030204" pitchFamily="49" charset="0"/>
+              </a:rPr>
+              <a:t> </a:t>
+            </a:r>
+            <a:r>
+              <a:rPr lang="sk-SK" dirty="0" err="1">
+                <a:highlight>
+                  <a:srgbClr val="FFFF00"/>
+                </a:highlight>
+                <a:latin typeface="Consolas" panose="020B0609020204030204" pitchFamily="49" charset="0"/>
+              </a:rPr>
+              <a:t>if</a:t>
+            </a:r>
+            <a:r>
+              <a:rPr lang="sk-SK" dirty="0">
+                <a:highlight>
+                  <a:srgbClr val="FFFF00"/>
+                </a:highlight>
+                <a:latin typeface="Consolas" panose="020B0609020204030204" pitchFamily="49" charset="0"/>
+              </a:rPr>
+              <a:t> (</a:t>
+            </a:r>
+            <a:r>
+              <a:rPr lang="sk-SK" dirty="0" err="1">
+                <a:highlight>
+                  <a:srgbClr val="FFFF00"/>
+                </a:highlight>
+                <a:latin typeface="Consolas" panose="020B0609020204030204" pitchFamily="49" charset="0"/>
+              </a:rPr>
+              <a:t>znamka</a:t>
+            </a:r>
+            <a:r>
+              <a:rPr lang="sk-SK" dirty="0">
+                <a:highlight>
+                  <a:srgbClr val="FFFF00"/>
+                </a:highlight>
+                <a:latin typeface="Consolas" panose="020B0609020204030204" pitchFamily="49" charset="0"/>
+              </a:rPr>
+              <a:t> == 3) {</a:t>
+            </a:r>
+          </a:p>
+          <a:p>
+            <a:pPr marL="0" indent="0">
+              <a:spcBef>
+                <a:spcPts val="0"/>
+              </a:spcBef>
+              <a:buNone/>
+            </a:pPr>
+            <a:r>
+              <a:rPr lang="sk-SK" dirty="0">
+                <a:highlight>
+                  <a:srgbClr val="FFFF00"/>
+                </a:highlight>
+                <a:latin typeface="Consolas" panose="020B0609020204030204" pitchFamily="49" charset="0"/>
+              </a:rPr>
+              <a:t>    </a:t>
+            </a:r>
+            <a:r>
+              <a:rPr lang="sk-SK" dirty="0" err="1">
+                <a:highlight>
+                  <a:srgbClr val="FFFF00"/>
+                </a:highlight>
+                <a:latin typeface="Consolas" panose="020B0609020204030204" pitchFamily="49" charset="0"/>
+              </a:rPr>
+              <a:t>System.out.println</a:t>
+            </a:r>
+            <a:r>
+              <a:rPr lang="sk-SK" dirty="0">
+                <a:highlight>
+                  <a:srgbClr val="FFFF00"/>
+                </a:highlight>
+                <a:latin typeface="Consolas" panose="020B0609020204030204" pitchFamily="49" charset="0"/>
+              </a:rPr>
+              <a:t>("Dobrý");</a:t>
+            </a:r>
+          </a:p>
+          <a:p>
+            <a:pPr marL="0" indent="0">
+              <a:spcBef>
+                <a:spcPts val="0"/>
+              </a:spcBef>
+              <a:buNone/>
+            </a:pPr>
+            <a:r>
+              <a:rPr lang="sk-SK" dirty="0">
+                <a:highlight>
+                  <a:srgbClr val="FFFF00"/>
+                </a:highlight>
+                <a:latin typeface="Consolas" panose="020B0609020204030204" pitchFamily="49" charset="0"/>
+              </a:rPr>
+              <a:t>} </a:t>
+            </a:r>
+            <a:r>
+              <a:rPr lang="sk-SK" dirty="0" err="1">
+                <a:highlight>
+                  <a:srgbClr val="FFFF00"/>
+                </a:highlight>
+                <a:latin typeface="Consolas" panose="020B0609020204030204" pitchFamily="49" charset="0"/>
+              </a:rPr>
+              <a:t>else</a:t>
+            </a:r>
+            <a:r>
+              <a:rPr lang="sk-SK" dirty="0">
+                <a:highlight>
+                  <a:srgbClr val="FFFF00"/>
+                </a:highlight>
+                <a:latin typeface="Consolas" panose="020B0609020204030204" pitchFamily="49" charset="0"/>
+              </a:rPr>
+              <a:t> {</a:t>
+            </a:r>
+          </a:p>
+          <a:p>
+            <a:pPr marL="0" indent="0">
+              <a:spcBef>
+                <a:spcPts val="0"/>
+              </a:spcBef>
+              <a:buNone/>
+            </a:pPr>
+            <a:r>
+              <a:rPr lang="sk-SK" dirty="0">
+                <a:highlight>
+                  <a:srgbClr val="FFFF00"/>
+                </a:highlight>
+                <a:latin typeface="Consolas" panose="020B0609020204030204" pitchFamily="49" charset="0"/>
+              </a:rPr>
+              <a:t>    </a:t>
+            </a:r>
+            <a:r>
+              <a:rPr lang="sk-SK" dirty="0" err="1">
+                <a:highlight>
+                  <a:srgbClr val="FFFF00"/>
+                </a:highlight>
+                <a:latin typeface="Consolas" panose="020B0609020204030204" pitchFamily="49" charset="0"/>
+              </a:rPr>
+              <a:t>System.out.println</a:t>
+            </a:r>
+            <a:r>
+              <a:rPr lang="sk-SK" dirty="0">
+                <a:highlight>
+                  <a:srgbClr val="FFFF00"/>
+                </a:highlight>
+                <a:latin typeface="Consolas" panose="020B0609020204030204" pitchFamily="49" charset="0"/>
+              </a:rPr>
+              <a:t>("Neúspešný");</a:t>
+            </a:r>
+          </a:p>
+          <a:p>
+            <a:pPr marL="0" indent="0">
+              <a:spcBef>
+                <a:spcPts val="0"/>
+              </a:spcBef>
+              <a:buNone/>
+            </a:pPr>
+            <a:r>
+              <a:rPr lang="sk-SK" dirty="0">
+                <a:highlight>
+                  <a:srgbClr val="FFFF00"/>
+                </a:highlight>
+                <a:latin typeface="Consolas" panose="020B0609020204030204" pitchFamily="49" charset="0"/>
+              </a:rPr>
+              <a:t>}</a:t>
+            </a:r>
+          </a:p>
+        </p:txBody>
+      </p:sp>
+      <p:sp>
+        <p:nvSpPr>
+          <p:cNvPr id="5" name="Nadpis 4">
+            <a:extLst>
+              <a:ext uri="{FF2B5EF4-FFF2-40B4-BE49-F238E27FC236}">
+                <a16:creationId xmlns:a16="http://schemas.microsoft.com/office/drawing/2014/main" id="{DA4F854B-8A12-19B1-2684-E8F7950F75DD}"/>
+              </a:ext>
+            </a:extLst>
+          </p:cNvPr>
+          <p:cNvSpPr>
+            <a:spLocks noGrp="1"/>
+          </p:cNvSpPr>
+          <p:nvPr>
+            <p:ph type="title"/>
+          </p:nvPr>
+        </p:nvSpPr>
+        <p:spPr/>
+        <p:txBody>
+          <a:bodyPr/>
+          <a:lstStyle/>
+          <a:p>
+            <a:r>
+              <a:rPr lang="sk-SK" dirty="0"/>
+              <a:t>Vetvenie</a:t>
+            </a:r>
+          </a:p>
+        </p:txBody>
+      </p:sp>
+    </p:spTree>
+    <p:extLst>
+      <p:ext uri="{BB962C8B-B14F-4D97-AF65-F5344CB8AC3E}">
+        <p14:creationId xmlns:p14="http://schemas.microsoft.com/office/powerpoint/2010/main" val="662877749"/>
+      </p:ext>
+    </p:extLst>
+  </p:cSld>
+  <p:clrMapOvr>
+    <a:masterClrMapping/>
+  </p:clrMapOvr>
+</p:sld>
+</file>
+
+<file path=ppt/slides/slide8.xml><?xml version="1.0" encoding="utf-8"?>
+<p:sld xmlns:a="http://schemas.openxmlformats.org/drawingml/2006/main" xmlns:r="http://schemas.openxmlformats.org/officeDocument/2006/relationships" xmlns:p="http://schemas.openxmlformats.org/presentationml/2006/main">
+  <p:cSld>
+    <p:bg>
+      <p:bgPr>
+        <a:solidFill>
+          <a:schemeClr val="bg1"/>
+        </a:solidFill>
+        <a:effectLst/>
+      </p:bgPr>
+    </p:bg>
+    <p:spTree>
+      <p:nvGrpSpPr>
+        <p:cNvPr id="1" name="">
+          <a:extLst>
+            <a:ext uri="{FF2B5EF4-FFF2-40B4-BE49-F238E27FC236}">
+              <a16:creationId xmlns:a16="http://schemas.microsoft.com/office/drawing/2014/main" id="{8C507C51-3EBC-C0AC-512E-67DA244F7E32}"/>
+            </a:ext>
+          </a:extLst>
+        </p:cNvPr>
+        <p:cNvGrpSpPr/>
+        <p:nvPr/>
+      </p:nvGrpSpPr>
+      <p:grpSpPr>
+        <a:xfrm>
+          <a:off x="0" y="0"/>
+          <a:ext cx="0" cy="0"/>
+          <a:chOff x="0" y="0"/>
+          <a:chExt cx="0" cy="0"/>
+        </a:xfrm>
+      </p:grpSpPr>
+      <p:sp>
+        <p:nvSpPr>
+          <p:cNvPr id="3" name="Zástupný objekt pre obsah 2">
+            <a:extLst>
+              <a:ext uri="{FF2B5EF4-FFF2-40B4-BE49-F238E27FC236}">
+                <a16:creationId xmlns:a16="http://schemas.microsoft.com/office/drawing/2014/main" id="{5A000F48-1036-7EAD-25E2-8E656186CCC7}"/>
+              </a:ext>
+            </a:extLst>
+          </p:cNvPr>
+          <p:cNvSpPr>
+            <a:spLocks noGrp="1"/>
+          </p:cNvSpPr>
+          <p:nvPr>
+            <p:ph idx="1"/>
+          </p:nvPr>
+        </p:nvSpPr>
+        <p:spPr>
+          <a:xfrm>
+            <a:off x="1502228" y="1573591"/>
+            <a:ext cx="9851572" cy="4217609"/>
+          </a:xfrm>
+        </p:spPr>
+        <p:txBody>
+          <a:bodyPr>
+            <a:noAutofit/>
+          </a:bodyPr>
+          <a:lstStyle/>
+          <a:p>
+            <a:pPr marL="0" indent="0">
+              <a:spcBef>
+                <a:spcPts val="1200"/>
+              </a:spcBef>
+              <a:buNone/>
+            </a:pPr>
+            <a:r>
+              <a:rPr lang="sk-SK" dirty="0" err="1"/>
+              <a:t>Ternárny</a:t>
+            </a:r>
+            <a:r>
+              <a:rPr lang="sk-SK" dirty="0"/>
+              <a:t> operátor</a:t>
+            </a:r>
+          </a:p>
+          <a:p>
+            <a:pPr marL="0" indent="0">
+              <a:spcBef>
+                <a:spcPts val="1200"/>
+              </a:spcBef>
+              <a:buNone/>
+            </a:pPr>
+            <a:r>
+              <a:rPr lang="sk-SK" dirty="0">
+                <a:highlight>
+                  <a:srgbClr val="FFFF00"/>
+                </a:highlight>
+                <a:latin typeface="Consolas" panose="020B0609020204030204" pitchFamily="49" charset="0"/>
+              </a:rPr>
+              <a:t>podmienka ? </a:t>
+            </a:r>
+            <a:r>
+              <a:rPr lang="sk-SK" dirty="0" err="1">
+                <a:highlight>
+                  <a:srgbClr val="FFFF00"/>
+                </a:highlight>
+                <a:latin typeface="Consolas" panose="020B0609020204030204" pitchFamily="49" charset="0"/>
+              </a:rPr>
+              <a:t>hodnota_ak_true</a:t>
+            </a:r>
+            <a:r>
+              <a:rPr lang="sk-SK" dirty="0">
+                <a:highlight>
+                  <a:srgbClr val="FFFF00"/>
+                </a:highlight>
+                <a:latin typeface="Consolas" panose="020B0609020204030204" pitchFamily="49" charset="0"/>
+              </a:rPr>
+              <a:t> : </a:t>
+            </a:r>
+            <a:r>
+              <a:rPr lang="sk-SK" dirty="0" err="1">
+                <a:highlight>
+                  <a:srgbClr val="FFFF00"/>
+                </a:highlight>
+                <a:latin typeface="Consolas" panose="020B0609020204030204" pitchFamily="49" charset="0"/>
+              </a:rPr>
+              <a:t>hodnota_ak_false</a:t>
+            </a:r>
+            <a:endParaRPr lang="sk-SK" dirty="0">
+              <a:highlight>
+                <a:srgbClr val="FFFF00"/>
+              </a:highlight>
+              <a:latin typeface="Consolas" panose="020B0609020204030204" pitchFamily="49" charset="0"/>
+            </a:endParaRPr>
+          </a:p>
+          <a:p>
+            <a:pPr marL="0" indent="0">
+              <a:spcBef>
+                <a:spcPts val="1200"/>
+              </a:spcBef>
+              <a:buNone/>
+            </a:pPr>
+            <a:endParaRPr lang="sk-SK" dirty="0">
+              <a:highlight>
+                <a:srgbClr val="FFFF00"/>
+              </a:highlight>
+              <a:latin typeface="Consolas" panose="020B0609020204030204" pitchFamily="49" charset="0"/>
+            </a:endParaRPr>
+          </a:p>
+          <a:p>
+            <a:pPr marL="0" indent="0">
+              <a:spcBef>
+                <a:spcPts val="0"/>
+              </a:spcBef>
+              <a:buNone/>
+            </a:pPr>
+            <a:r>
+              <a:rPr lang="sk-SK" dirty="0" err="1">
+                <a:highlight>
+                  <a:srgbClr val="FFFF00"/>
+                </a:highlight>
+                <a:latin typeface="Consolas" panose="020B0609020204030204" pitchFamily="49" charset="0"/>
+              </a:rPr>
+              <a:t>int</a:t>
+            </a:r>
+            <a:r>
+              <a:rPr lang="sk-SK" dirty="0">
+                <a:highlight>
+                  <a:srgbClr val="FFFF00"/>
+                </a:highlight>
+                <a:latin typeface="Consolas" panose="020B0609020204030204" pitchFamily="49" charset="0"/>
+              </a:rPr>
+              <a:t> vek = 20;</a:t>
+            </a:r>
+          </a:p>
+          <a:p>
+            <a:pPr marL="0" indent="0">
+              <a:spcBef>
+                <a:spcPts val="0"/>
+              </a:spcBef>
+              <a:buNone/>
+            </a:pPr>
+            <a:r>
+              <a:rPr lang="sk-SK" dirty="0" err="1">
+                <a:highlight>
+                  <a:srgbClr val="FFFF00"/>
+                </a:highlight>
+                <a:latin typeface="Consolas" panose="020B0609020204030204" pitchFamily="49" charset="0"/>
+              </a:rPr>
+              <a:t>String</a:t>
+            </a:r>
+            <a:r>
+              <a:rPr lang="sk-SK" dirty="0">
+                <a:highlight>
+                  <a:srgbClr val="FFFF00"/>
+                </a:highlight>
+                <a:latin typeface="Consolas" panose="020B0609020204030204" pitchFamily="49" charset="0"/>
+              </a:rPr>
+              <a:t> typ = (vek &gt;= 18) ? "dospelý" : "mladý";</a:t>
+            </a:r>
+          </a:p>
+          <a:p>
+            <a:pPr marL="0" indent="0">
+              <a:spcBef>
+                <a:spcPts val="0"/>
+              </a:spcBef>
+              <a:buNone/>
+            </a:pPr>
+            <a:r>
+              <a:rPr lang="sk-SK" dirty="0" err="1">
+                <a:highlight>
+                  <a:srgbClr val="FFFF00"/>
+                </a:highlight>
+                <a:latin typeface="Consolas" panose="020B0609020204030204" pitchFamily="49" charset="0"/>
+              </a:rPr>
+              <a:t>System.out.println</a:t>
+            </a:r>
+            <a:r>
+              <a:rPr lang="sk-SK" dirty="0">
+                <a:highlight>
+                  <a:srgbClr val="FFFF00"/>
+                </a:highlight>
+                <a:latin typeface="Consolas" panose="020B0609020204030204" pitchFamily="49" charset="0"/>
+              </a:rPr>
+              <a:t>(typ);</a:t>
+            </a:r>
+          </a:p>
+        </p:txBody>
+      </p:sp>
+      <p:sp>
+        <p:nvSpPr>
+          <p:cNvPr id="5" name="Nadpis 4">
+            <a:extLst>
+              <a:ext uri="{FF2B5EF4-FFF2-40B4-BE49-F238E27FC236}">
+                <a16:creationId xmlns:a16="http://schemas.microsoft.com/office/drawing/2014/main" id="{803FC9C0-A0D3-C54B-19C1-D8EC38D2D324}"/>
+              </a:ext>
+            </a:extLst>
+          </p:cNvPr>
+          <p:cNvSpPr>
+            <a:spLocks noGrp="1"/>
+          </p:cNvSpPr>
+          <p:nvPr>
+            <p:ph type="title"/>
+          </p:nvPr>
+        </p:nvSpPr>
+        <p:spPr/>
+        <p:txBody>
+          <a:bodyPr/>
+          <a:lstStyle/>
+          <a:p>
+            <a:r>
+              <a:rPr lang="sk-SK" dirty="0"/>
+              <a:t>Vetvenie</a:t>
+            </a:r>
+          </a:p>
+        </p:txBody>
+      </p:sp>
+    </p:spTree>
+    <p:extLst>
+      <p:ext uri="{BB962C8B-B14F-4D97-AF65-F5344CB8AC3E}">
+        <p14:creationId xmlns:p14="http://schemas.microsoft.com/office/powerpoint/2010/main" val="2326873376"/>
+      </p:ext>
+    </p:extLst>
+  </p:cSld>
+  <p:clrMapOvr>
+    <a:masterClrMapping/>
+  </p:clrMapOvr>
+</p:sld>
+</file>
+
+<file path=ppt/slides/slide9.xml><?xml version="1.0" encoding="utf-8"?>
+<p:sld xmlns:a="http://schemas.openxmlformats.org/drawingml/2006/main" xmlns:r="http://schemas.openxmlformats.org/officeDocument/2006/relationships" xmlns:p="http://schemas.openxmlformats.org/presentationml/2006/main">
+  <p:cSld>
+    <p:bg>
+      <p:bgPr>
+        <a:solidFill>
+          <a:schemeClr val="bg1"/>
+        </a:solidFill>
+        <a:effectLst/>
+      </p:bgPr>
+    </p:bg>
+    <p:spTree>
+      <p:nvGrpSpPr>
+        <p:cNvPr id="1" name="">
+          <a:extLst>
+            <a:ext uri="{FF2B5EF4-FFF2-40B4-BE49-F238E27FC236}">
+              <a16:creationId xmlns:a16="http://schemas.microsoft.com/office/drawing/2014/main" id="{14C3C45A-404A-F8E1-90CA-F992F3FFD7A2}"/>
+            </a:ext>
+          </a:extLst>
+        </p:cNvPr>
+        <p:cNvGrpSpPr/>
+        <p:nvPr/>
+      </p:nvGrpSpPr>
+      <p:grpSpPr>
+        <a:xfrm>
+          <a:off x="0" y="0"/>
+          <a:ext cx="0" cy="0"/>
+          <a:chOff x="0" y="0"/>
+          <a:chExt cx="0" cy="0"/>
+        </a:xfrm>
+      </p:grpSpPr>
+      <p:sp>
+        <p:nvSpPr>
+          <p:cNvPr id="3" name="Zástupný objekt pre obsah 2">
+            <a:extLst>
+              <a:ext uri="{FF2B5EF4-FFF2-40B4-BE49-F238E27FC236}">
+                <a16:creationId xmlns:a16="http://schemas.microsoft.com/office/drawing/2014/main" id="{03CB0AB9-7055-65C9-8673-2397DE68E9A3}"/>
+              </a:ext>
+            </a:extLst>
+          </p:cNvPr>
+          <p:cNvSpPr>
+            <a:spLocks noGrp="1"/>
+          </p:cNvSpPr>
+          <p:nvPr>
+            <p:ph idx="1"/>
+          </p:nvPr>
+        </p:nvSpPr>
+        <p:spPr>
+          <a:xfrm>
+            <a:off x="1502228" y="1573591"/>
+            <a:ext cx="9851572" cy="4217609"/>
+          </a:xfrm>
+        </p:spPr>
+        <p:txBody>
+          <a:bodyPr>
+            <a:noAutofit/>
+          </a:bodyPr>
+          <a:lstStyle/>
+          <a:p>
+            <a:pPr marL="0" indent="0">
+              <a:spcBef>
+                <a:spcPts val="1200"/>
+              </a:spcBef>
+              <a:buNone/>
+            </a:pPr>
+            <a:r>
+              <a:rPr lang="sk-SK" dirty="0"/>
+              <a:t>Cyklus </a:t>
+            </a:r>
+            <a:r>
+              <a:rPr lang="sk-SK" dirty="0" err="1">
+                <a:highlight>
+                  <a:srgbClr val="FFFF00"/>
+                </a:highlight>
+                <a:latin typeface="Consolas" panose="020B0609020204030204" pitchFamily="49" charset="0"/>
+              </a:rPr>
+              <a:t>for</a:t>
+            </a:r>
+            <a:r>
+              <a:rPr lang="sk-SK" dirty="0"/>
+              <a:t> sa používa, keď dopredu vieme, koľkokrát sa má cyklus opakovať</a:t>
+            </a:r>
+          </a:p>
+          <a:p>
+            <a:pPr marL="0" indent="0">
+              <a:spcBef>
+                <a:spcPts val="1200"/>
+              </a:spcBef>
+              <a:buNone/>
+            </a:pPr>
+            <a:endParaRPr lang="sk-SK" dirty="0"/>
+          </a:p>
+          <a:p>
+            <a:pPr marL="0" indent="0">
+              <a:spcBef>
+                <a:spcPts val="0"/>
+              </a:spcBef>
+              <a:buNone/>
+            </a:pPr>
+            <a:r>
+              <a:rPr lang="nn-NO" dirty="0">
+                <a:highlight>
+                  <a:srgbClr val="FFFF00"/>
+                </a:highlight>
+                <a:latin typeface="Consolas" panose="020B0609020204030204" pitchFamily="49" charset="0"/>
+              </a:rPr>
+              <a:t>for (int i = 0; i &lt; 5; i++) {</a:t>
+            </a:r>
+          </a:p>
+          <a:p>
+            <a:pPr marL="0" indent="0">
+              <a:spcBef>
+                <a:spcPts val="0"/>
+              </a:spcBef>
+              <a:buNone/>
+            </a:pPr>
+            <a:r>
+              <a:rPr lang="nn-NO" dirty="0">
+                <a:highlight>
+                  <a:srgbClr val="FFFF00"/>
+                </a:highlight>
+                <a:latin typeface="Consolas" panose="020B0609020204030204" pitchFamily="49" charset="0"/>
+              </a:rPr>
+              <a:t>    System.out.println("i = " + i);</a:t>
+            </a:r>
+          </a:p>
+          <a:p>
+            <a:pPr marL="0" indent="0">
+              <a:spcBef>
+                <a:spcPts val="0"/>
+              </a:spcBef>
+              <a:buNone/>
+            </a:pPr>
+            <a:r>
+              <a:rPr lang="nn-NO" dirty="0">
+                <a:highlight>
+                  <a:srgbClr val="FFFF00"/>
+                </a:highlight>
+                <a:latin typeface="Consolas" panose="020B0609020204030204" pitchFamily="49" charset="0"/>
+              </a:rPr>
+              <a:t>}</a:t>
+            </a:r>
+            <a:endParaRPr lang="sk-SK" dirty="0">
+              <a:highlight>
+                <a:srgbClr val="FFFF00"/>
+              </a:highlight>
+              <a:latin typeface="Consolas" panose="020B0609020204030204" pitchFamily="49" charset="0"/>
+            </a:endParaRPr>
+          </a:p>
+        </p:txBody>
+      </p:sp>
+      <p:sp>
+        <p:nvSpPr>
+          <p:cNvPr id="5" name="Nadpis 4">
+            <a:extLst>
+              <a:ext uri="{FF2B5EF4-FFF2-40B4-BE49-F238E27FC236}">
+                <a16:creationId xmlns:a16="http://schemas.microsoft.com/office/drawing/2014/main" id="{F1344CA6-2CA1-9017-D393-77EAA0BEB0F2}"/>
+              </a:ext>
+            </a:extLst>
+          </p:cNvPr>
+          <p:cNvSpPr>
+            <a:spLocks noGrp="1"/>
+          </p:cNvSpPr>
+          <p:nvPr>
+            <p:ph type="title"/>
+          </p:nvPr>
+        </p:nvSpPr>
+        <p:spPr/>
+        <p:txBody>
+          <a:bodyPr/>
+          <a:lstStyle/>
+          <a:p>
+            <a:r>
+              <a:rPr lang="sk-SK" dirty="0"/>
+              <a:t>Cyklus</a:t>
+            </a:r>
+          </a:p>
+        </p:txBody>
+      </p:sp>
+    </p:spTree>
+    <p:extLst>
+      <p:ext uri="{BB962C8B-B14F-4D97-AF65-F5344CB8AC3E}">
+        <p14:creationId xmlns:p14="http://schemas.microsoft.com/office/powerpoint/2010/main" val="3150143659"/>
       </p:ext>
     </p:extLst>
   </p:cSld>

--- a/prezentacie/c02w.pptx
+++ b/prezentacie/c02w.pptx
@@ -252,7 +252,7 @@
           <a:p>
             <a:fld id="{10052495-8BC8-4CFB-94B1-B0429F101A0D}" type="datetimeFigureOut">
               <a:rPr lang="sk-SK" smtClean="0"/>
-              <a:t>14. 9. 2025</a:t>
+              <a:t>23. 9. 2025</a:t>
             </a:fld>
             <a:endParaRPr lang="sk-SK"/>
           </a:p>
@@ -422,7 +422,7 @@
           <a:p>
             <a:fld id="{10052495-8BC8-4CFB-94B1-B0429F101A0D}" type="datetimeFigureOut">
               <a:rPr lang="sk-SK" smtClean="0"/>
-              <a:t>14. 9. 2025</a:t>
+              <a:t>23. 9. 2025</a:t>
             </a:fld>
             <a:endParaRPr lang="sk-SK"/>
           </a:p>
@@ -602,7 +602,7 @@
           <a:p>
             <a:fld id="{10052495-8BC8-4CFB-94B1-B0429F101A0D}" type="datetimeFigureOut">
               <a:rPr lang="sk-SK" smtClean="0"/>
-              <a:t>14. 9. 2025</a:t>
+              <a:t>23. 9. 2025</a:t>
             </a:fld>
             <a:endParaRPr lang="sk-SK"/>
           </a:p>
@@ -772,7 +772,7 @@
           <a:p>
             <a:fld id="{10052495-8BC8-4CFB-94B1-B0429F101A0D}" type="datetimeFigureOut">
               <a:rPr lang="sk-SK" smtClean="0"/>
-              <a:t>14. 9. 2025</a:t>
+              <a:t>23. 9. 2025</a:t>
             </a:fld>
             <a:endParaRPr lang="sk-SK"/>
           </a:p>
@@ -1018,7 +1018,7 @@
           <a:p>
             <a:fld id="{10052495-8BC8-4CFB-94B1-B0429F101A0D}" type="datetimeFigureOut">
               <a:rPr lang="sk-SK" smtClean="0"/>
-              <a:t>14. 9. 2025</a:t>
+              <a:t>23. 9. 2025</a:t>
             </a:fld>
             <a:endParaRPr lang="sk-SK"/>
           </a:p>
@@ -1250,7 +1250,7 @@
           <a:p>
             <a:fld id="{10052495-8BC8-4CFB-94B1-B0429F101A0D}" type="datetimeFigureOut">
               <a:rPr lang="sk-SK" smtClean="0"/>
-              <a:t>14. 9. 2025</a:t>
+              <a:t>23. 9. 2025</a:t>
             </a:fld>
             <a:endParaRPr lang="sk-SK"/>
           </a:p>
@@ -1617,7 +1617,7 @@
           <a:p>
             <a:fld id="{10052495-8BC8-4CFB-94B1-B0429F101A0D}" type="datetimeFigureOut">
               <a:rPr lang="sk-SK" smtClean="0"/>
-              <a:t>14. 9. 2025</a:t>
+              <a:t>23. 9. 2025</a:t>
             </a:fld>
             <a:endParaRPr lang="sk-SK"/>
           </a:p>
@@ -1735,7 +1735,7 @@
           <a:p>
             <a:fld id="{10052495-8BC8-4CFB-94B1-B0429F101A0D}" type="datetimeFigureOut">
               <a:rPr lang="sk-SK" smtClean="0"/>
-              <a:t>14. 9. 2025</a:t>
+              <a:t>23. 9. 2025</a:t>
             </a:fld>
             <a:endParaRPr lang="sk-SK"/>
           </a:p>
@@ -1830,7 +1830,7 @@
           <a:p>
             <a:fld id="{10052495-8BC8-4CFB-94B1-B0429F101A0D}" type="datetimeFigureOut">
               <a:rPr lang="sk-SK" smtClean="0"/>
-              <a:t>14. 9. 2025</a:t>
+              <a:t>23. 9. 2025</a:t>
             </a:fld>
             <a:endParaRPr lang="sk-SK"/>
           </a:p>
@@ -2107,7 +2107,7 @@
           <a:p>
             <a:fld id="{10052495-8BC8-4CFB-94B1-B0429F101A0D}" type="datetimeFigureOut">
               <a:rPr lang="sk-SK" smtClean="0"/>
-              <a:t>14. 9. 2025</a:t>
+              <a:t>23. 9. 2025</a:t>
             </a:fld>
             <a:endParaRPr lang="sk-SK"/>
           </a:p>
@@ -2364,7 +2364,7 @@
           <a:p>
             <a:fld id="{10052495-8BC8-4CFB-94B1-B0429F101A0D}" type="datetimeFigureOut">
               <a:rPr lang="sk-SK" smtClean="0"/>
-              <a:t>14. 9. 2025</a:t>
+              <a:t>23. 9. 2025</a:t>
             </a:fld>
             <a:endParaRPr lang="sk-SK"/>
           </a:p>
@@ -2577,7 +2577,7 @@
           <a:p>
             <a:fld id="{10052495-8BC8-4CFB-94B1-B0429F101A0D}" type="datetimeFigureOut">
               <a:rPr lang="sk-SK" smtClean="0"/>
-              <a:t>14. 9. 2025</a:t>
+              <a:t>23. 9. 2025</a:t>
             </a:fld>
             <a:endParaRPr lang="sk-SK"/>
           </a:p>
@@ -6527,6 +6527,81 @@
               </a:spcBef>
               <a:buNone/>
             </a:pPr>
+            <a:endParaRPr lang="en-US" dirty="0"/>
+          </a:p>
+          <a:p>
+            <a:pPr marL="0" indent="0">
+              <a:spcBef>
+                <a:spcPts val="0"/>
+              </a:spcBef>
+              <a:buNone/>
+            </a:pPr>
+            <a:r>
+              <a:rPr lang="sk-SK" dirty="0" err="1">
+                <a:highlight>
+                  <a:srgbClr val="FFFF00"/>
+                </a:highlight>
+                <a:latin typeface="Consolas" panose="020B0609020204030204" pitchFamily="49" charset="0"/>
+              </a:rPr>
+              <a:t>for</a:t>
+            </a:r>
+            <a:r>
+              <a:rPr lang="sk-SK" dirty="0">
+                <a:highlight>
+                  <a:srgbClr val="FFFF00"/>
+                </a:highlight>
+                <a:latin typeface="Consolas" panose="020B0609020204030204" pitchFamily="49" charset="0"/>
+              </a:rPr>
+              <a:t> (inicializácia; podmienka; aktualizácia) {</a:t>
+            </a:r>
+          </a:p>
+          <a:p>
+            <a:pPr marL="0" indent="0">
+              <a:spcBef>
+                <a:spcPts val="0"/>
+              </a:spcBef>
+              <a:buNone/>
+            </a:pPr>
+            <a:r>
+              <a:rPr lang="sk-SK" dirty="0">
+                <a:highlight>
+                  <a:srgbClr val="FFFF00"/>
+                </a:highlight>
+                <a:latin typeface="Consolas" panose="020B0609020204030204" pitchFamily="49" charset="0"/>
+              </a:rPr>
+              <a:t>    // telo cyklu - kód, ktorý sa opakuje</a:t>
+            </a:r>
+          </a:p>
+          <a:p>
+            <a:pPr marL="0" indent="0">
+              <a:spcBef>
+                <a:spcPts val="0"/>
+              </a:spcBef>
+              <a:buNone/>
+            </a:pPr>
+            <a:r>
+              <a:rPr lang="sk-SK" dirty="0">
+                <a:highlight>
+                  <a:srgbClr val="FFFF00"/>
+                </a:highlight>
+                <a:latin typeface="Consolas" panose="020B0609020204030204" pitchFamily="49" charset="0"/>
+              </a:rPr>
+              <a:t>}</a:t>
+            </a:r>
+            <a:endParaRPr lang="en-US" dirty="0">
+              <a:highlight>
+                <a:srgbClr val="FFFF00"/>
+              </a:highlight>
+              <a:latin typeface="Consolas" panose="020B0609020204030204" pitchFamily="49" charset="0"/>
+            </a:endParaRPr>
+          </a:p>
+          <a:p>
+            <a:pPr marL="0" indent="0">
+              <a:spcBef>
+                <a:spcPts val="1200"/>
+              </a:spcBef>
+              <a:buNone/>
+            </a:pPr>
             <a:endParaRPr lang="sk-SK" dirty="0"/>
           </a:p>
           <a:p>
